--- a/docs/Presentation.pptx
+++ b/docs/Presentation.pptx
@@ -123,7 +123,7 @@
 <p1510:revInfo xmlns:a="http://schemas.openxmlformats.org/drawingml/2006/main" xmlns:r="http://schemas.openxmlformats.org/officeDocument/2006/relationships" xmlns:p1510="http://schemas.microsoft.com/office/powerpoint/2015/10/main">
   <p1510:revLst>
     <p1510:client id="{2E0D856F-38B0-BD47-A898-F84451543FFD}" v="98" dt="2022-01-17T17:00:04.236"/>
-    <p1510:client id="{69BB4287-D6F9-4642-85FB-5B9BF3856161}" v="39" dt="2022-01-17T16:57:49.207"/>
+    <p1510:client id="{69BB4287-D6F9-4642-85FB-5B9BF3856161}" v="99" dt="2022-01-17T17:16:03.601"/>
   </p1510:revLst>
 </p1510:revInfo>
 </file>
@@ -242,7 +242,7 @@
   <pc:docChgLst>
     <pc:chgData name="Andreas Ambühl (s)" userId="64703f13-d9aa-4c22-bfd3-e7c18ef95c0d" providerId="ADAL" clId="{69BB4287-D6F9-4642-85FB-5B9BF3856161}"/>
     <pc:docChg chg="undo custSel addSld delSld modSld">
-      <pc:chgData name="Andreas Ambühl (s)" userId="64703f13-d9aa-4c22-bfd3-e7c18ef95c0d" providerId="ADAL" clId="{69BB4287-D6F9-4642-85FB-5B9BF3856161}" dt="2022-01-17T16:57:49.207" v="38" actId="1076"/>
+      <pc:chgData name="Andreas Ambühl (s)" userId="64703f13-d9aa-4c22-bfd3-e7c18ef95c0d" providerId="ADAL" clId="{69BB4287-D6F9-4642-85FB-5B9BF3856161}" dt="2022-01-17T17:16:03.601" v="98" actId="20577"/>
       <pc:docMkLst>
         <pc:docMk/>
       </pc:docMkLst>
@@ -269,8 +269,8 @@
           </ac:picMkLst>
         </pc:picChg>
       </pc:sldChg>
-      <pc:sldChg chg="addSp delSp modSp mod setBg">
-        <pc:chgData name="Andreas Ambühl (s)" userId="64703f13-d9aa-4c22-bfd3-e7c18ef95c0d" providerId="ADAL" clId="{69BB4287-D6F9-4642-85FB-5B9BF3856161}" dt="2022-01-17T16:57:20.630" v="34" actId="1076"/>
+      <pc:sldChg chg="addSp delSp modSp mod setBg modNotesTx">
+        <pc:chgData name="Andreas Ambühl (s)" userId="64703f13-d9aa-4c22-bfd3-e7c18ef95c0d" providerId="ADAL" clId="{69BB4287-D6F9-4642-85FB-5B9BF3856161}" dt="2022-01-17T17:16:03.601" v="98" actId="20577"/>
         <pc:sldMkLst>
           <pc:docMk/>
           <pc:sldMk cId="3296527291" sldId="257"/>
@@ -1055,12 +1055,54 @@
           <a:lstStyle/>
           <a:p>
             <a:r>
+              <a:rPr lang="de-DE"/>
+              <a:t>STILL LOU: Talk </a:t>
+            </a:r>
+            <a:r>
+              <a:rPr lang="de-DE" err="1"/>
+              <a:t>about</a:t>
+            </a:r>
+            <a:r>
+              <a:rPr lang="de-DE"/>
+              <a:t> </a:t>
+            </a:r>
+            <a:r>
+              <a:rPr lang="de-DE" err="1"/>
+              <a:t>moutains</a:t>
+            </a:r>
+            <a:r>
+              <a:rPr lang="de-DE"/>
+              <a:t> </a:t>
+            </a:r>
+            <a:r>
+              <a:rPr lang="de-DE" err="1"/>
+              <a:t>and</a:t>
+            </a:r>
+            <a:r>
+              <a:rPr lang="de-DE"/>
+              <a:t> </a:t>
+            </a:r>
+            <a:r>
+              <a:rPr lang="de-DE" err="1"/>
+              <a:t>stuff</a:t>
+            </a:r>
+            <a:endParaRPr lang="de-DE"/>
+          </a:p>
+          <a:p>
+            <a:endParaRPr lang="de-DE"/>
+          </a:p>
+          <a:p>
+            <a:r>
+              <a:rPr lang="de-DE"/>
+              <a:t>THEN ANDI: </a:t>
+            </a:r>
+            <a:r>
               <a:rPr lang="de-DE" err="1"/>
               <a:t>Results</a:t>
             </a:r>
             <a:r>
               <a:rPr lang="de-DE"/>
-              <a:t>?  Demo! (Andi)</a:t>
+              <a:t>?  Demo!</a:t>
             </a:r>
           </a:p>
         </p:txBody>
